--- a/Week 4/8_b - RNNs for Text.pptx
+++ b/Week 4/8_b - RNNs for Text.pptx
@@ -5,7 +5,7 @@
     <p:sldMasterId id="2147483648" r:id="rId1"/>
   </p:sldMasterIdLst>
   <p:notesMasterIdLst>
-    <p:notesMasterId r:id="rId14"/>
+    <p:notesMasterId r:id="rId15"/>
   </p:notesMasterIdLst>
   <p:sldIdLst>
     <p:sldId id="256" r:id="rId2"/>
@@ -15,26 +15,27 @@
     <p:sldId id="261" r:id="rId6"/>
     <p:sldId id="262" r:id="rId7"/>
     <p:sldId id="264" r:id="rId8"/>
-    <p:sldId id="266" r:id="rId9"/>
-    <p:sldId id="267" r:id="rId10"/>
-    <p:sldId id="273" r:id="rId11"/>
-    <p:sldId id="274" r:id="rId12"/>
-    <p:sldId id="275" r:id="rId13"/>
+    <p:sldId id="276" r:id="rId9"/>
+    <p:sldId id="266" r:id="rId10"/>
+    <p:sldId id="267" r:id="rId11"/>
+    <p:sldId id="273" r:id="rId12"/>
+    <p:sldId id="274" r:id="rId13"/>
+    <p:sldId id="275" r:id="rId14"/>
   </p:sldIdLst>
   <p:sldSz cx="12192000" cy="6858000"/>
   <p:notesSz cx="6858000" cy="9144000"/>
   <p:embeddedFontLst>
     <p:embeddedFont>
       <p:font typeface="Economica" panose="02000506040000020004" pitchFamily="2" charset="77"/>
-      <p:regular r:id="rId15"/>
-      <p:bold r:id="rId16"/>
-      <p:italic r:id="rId17"/>
-      <p:boldItalic r:id="rId18"/>
+      <p:regular r:id="rId16"/>
+      <p:bold r:id="rId17"/>
+      <p:italic r:id="rId18"/>
+      <p:boldItalic r:id="rId19"/>
     </p:embeddedFont>
     <p:embeddedFont>
       <p:font typeface="Quicksand" pitchFamily="2" charset="77"/>
-      <p:regular r:id="rId19"/>
-      <p:bold r:id="rId20"/>
+      <p:regular r:id="rId20"/>
+      <p:bold r:id="rId21"/>
     </p:embeddedFont>
   </p:embeddedFontLst>
   <p:defaultTextStyle>
@@ -271,7 +272,7 @@
       <p15:sldGuideLst xmlns:p15="http://schemas.microsoft.com/office/powerpoint/2012/main"/>
     </p:ext>
     <p:ext uri="http://customooxmlschemas.google.com/">
-      <go:slidesCustomData xmlns="" xmlns:mc="http://schemas.openxmlformats.org/markup-compatibility/2006" xmlns:mv="urn:schemas-microsoft-com:mac:vml" xmlns:c="http://schemas.openxmlformats.org/drawingml/2006/chart" xmlns:dgm="http://schemas.openxmlformats.org/drawingml/2006/diagram" xmlns:o="urn:schemas-microsoft-com:office:office" xmlns:v="urn:schemas-microsoft-com:vml" xmlns:pvml="urn:schemas-microsoft-com:office:powerpoint" xmlns:com="http://schemas.openxmlformats.org/drawingml/2006/compatibility" xmlns:p14="http://schemas.microsoft.com/office/powerpoint/2010/main" xmlns:p15="http://schemas.microsoft.com/office/powerpoint/2012/main" xmlns:ahyp="http://schemas.microsoft.com/office/drawing/2018/hyperlinkcolor" xmlns:go="http://customooxmlschemas.google.com/" r:id="rId32" roundtripDataSignature="AMtx7mhCtrfbZFXRrmv5GpDwfTHlXuLhrw=="/>
+      <go:slidesCustomData xmlns:go="http://customooxmlschemas.google.com/" xmlns:ahyp="http://schemas.microsoft.com/office/drawing/2018/hyperlinkcolor" xmlns:p15="http://schemas.microsoft.com/office/powerpoint/2012/main" xmlns:p14="http://schemas.microsoft.com/office/powerpoint/2010/main" xmlns:com="http://schemas.openxmlformats.org/drawingml/2006/compatibility" xmlns:pvml="urn:schemas-microsoft-com:office:powerpoint" xmlns:v="urn:schemas-microsoft-com:vml" xmlns:o="urn:schemas-microsoft-com:office:office" xmlns:dgm="http://schemas.openxmlformats.org/drawingml/2006/diagram" xmlns:c="http://schemas.openxmlformats.org/drawingml/2006/chart" xmlns:mv="urn:schemas-microsoft-com:mac:vml" xmlns:mc="http://schemas.openxmlformats.org/markup-compatibility/2006" xmlns="" r:id="rId32" roundtripDataSignature="AMtx7mhCtrfbZFXRrmv5GpDwfTHlXuLhrw=="/>
     </p:ext>
   </p:extLst>
 </p:presentation>
@@ -1857,6 +1858,182 @@
   <p:cSld>
     <p:spTree>
       <p:nvGrpSpPr>
+        <p:cNvPr id="1" name="Shape 172"/>
+        <p:cNvGrpSpPr/>
+        <p:nvPr/>
+      </p:nvGrpSpPr>
+      <p:grpSpPr>
+        <a:xfrm>
+          <a:off x="0" y="0"/>
+          <a:ext cx="0" cy="0"/>
+          <a:chOff x="0" y="0"/>
+          <a:chExt cx="0" cy="0"/>
+        </a:xfrm>
+      </p:grpSpPr>
+      <p:sp>
+        <p:nvSpPr>
+          <p:cNvPr id="173" name="Google Shape;173;p11:notes"/>
+          <p:cNvSpPr>
+            <a:spLocks noGrp="1" noRot="1" noChangeAspect="1"/>
+          </p:cNvSpPr>
+          <p:nvPr>
+            <p:ph type="sldImg" idx="2"/>
+          </p:nvPr>
+        </p:nvSpPr>
+        <p:spPr>
+          <a:xfrm>
+            <a:off x="685800" y="1143000"/>
+            <a:ext cx="5486400" cy="3086100"/>
+          </a:xfrm>
+          <a:custGeom>
+            <a:avLst/>
+            <a:gdLst/>
+            <a:ahLst/>
+            <a:cxnLst/>
+            <a:rect l="l" t="t" r="r" b="b"/>
+            <a:pathLst>
+              <a:path w="120000" h="120000" extrusionOk="0">
+                <a:moveTo>
+                  <a:pt x="0" y="0"/>
+                </a:moveTo>
+                <a:lnTo>
+                  <a:pt x="120000" y="0"/>
+                </a:lnTo>
+                <a:lnTo>
+                  <a:pt x="120000" y="120000"/>
+                </a:lnTo>
+                <a:lnTo>
+                  <a:pt x="0" y="120000"/>
+                </a:lnTo>
+                <a:close/>
+              </a:path>
+            </a:pathLst>
+          </a:custGeom>
+          <a:noFill/>
+          <a:ln w="12700" cap="flat" cmpd="sng">
+            <a:solidFill>
+              <a:srgbClr val="000000"/>
+            </a:solidFill>
+            <a:prstDash val="solid"/>
+            <a:round/>
+            <a:headEnd type="none" w="sm" len="sm"/>
+            <a:tailEnd type="none" w="sm" len="sm"/>
+          </a:ln>
+        </p:spPr>
+      </p:sp>
+      <p:sp>
+        <p:nvSpPr>
+          <p:cNvPr id="174" name="Google Shape;174;p11:notes"/>
+          <p:cNvSpPr txBox="1">
+            <a:spLocks noGrp="1"/>
+          </p:cNvSpPr>
+          <p:nvPr>
+            <p:ph type="body" idx="1"/>
+          </p:nvPr>
+        </p:nvSpPr>
+        <p:spPr>
+          <a:xfrm>
+            <a:off x="685800" y="4400550"/>
+            <a:ext cx="5486400" cy="3600450"/>
+          </a:xfrm>
+          <a:prstGeom prst="rect">
+            <a:avLst/>
+          </a:prstGeom>
+          <a:noFill/>
+          <a:ln>
+            <a:noFill/>
+          </a:ln>
+        </p:spPr>
+        <p:txBody>
+          <a:bodyPr spcFirstLastPara="1" wrap="square" lIns="91425" tIns="45700" rIns="91425" bIns="45700" anchor="t" anchorCtr="0">
+            <a:noAutofit/>
+          </a:bodyPr>
+          <a:lstStyle/>
+          <a:p>
+            <a:pPr marL="0" lvl="0" indent="0" algn="l" rtl="0">
+              <a:lnSpc>
+                <a:spcPct val="100000"/>
+              </a:lnSpc>
+              <a:spcBef>
+                <a:spcPts val="0"/>
+              </a:spcBef>
+              <a:spcAft>
+                <a:spcPts val="0"/>
+              </a:spcAft>
+              <a:buSzPts val="1400"/>
+              <a:buNone/>
+            </a:pPr>
+            <a:r>
+              <a:rPr lang="en-US"/>
+              <a:t>This is skipgram on the right. One word to surrounding context words (we map input word to </a:t>
+            </a:r>
+            <a:endParaRPr/>
+          </a:p>
+        </p:txBody>
+      </p:sp>
+      <p:sp>
+        <p:nvSpPr>
+          <p:cNvPr id="175" name="Google Shape;175;p11:notes"/>
+          <p:cNvSpPr txBox="1">
+            <a:spLocks noGrp="1"/>
+          </p:cNvSpPr>
+          <p:nvPr>
+            <p:ph type="sldNum" idx="12"/>
+          </p:nvPr>
+        </p:nvSpPr>
+        <p:spPr>
+          <a:xfrm>
+            <a:off x="3884613" y="8685213"/>
+            <a:ext cx="2971800" cy="458787"/>
+          </a:xfrm>
+          <a:prstGeom prst="rect">
+            <a:avLst/>
+          </a:prstGeom>
+          <a:noFill/>
+          <a:ln>
+            <a:noFill/>
+          </a:ln>
+        </p:spPr>
+        <p:txBody>
+          <a:bodyPr spcFirstLastPara="1" wrap="square" lIns="91425" tIns="45700" rIns="91425" bIns="45700" anchor="b" anchorCtr="0">
+            <a:noAutofit/>
+          </a:bodyPr>
+          <a:lstStyle/>
+          <a:p>
+            <a:pPr marL="0" lvl="0" indent="0" algn="r" rtl="0">
+              <a:lnSpc>
+                <a:spcPct val="100000"/>
+              </a:lnSpc>
+              <a:spcBef>
+                <a:spcPts val="0"/>
+              </a:spcBef>
+              <a:spcAft>
+                <a:spcPts val="0"/>
+              </a:spcAft>
+              <a:buSzPts val="1400"/>
+              <a:buNone/>
+            </a:pPr>
+            <a:fld id="{00000000-1234-1234-1234-123412341234}" type="slidenum">
+              <a:rPr lang="en-US"/>
+              <a:t>10</a:t>
+            </a:fld>
+            <a:endParaRPr/>
+          </a:p>
+        </p:txBody>
+      </p:sp>
+    </p:spTree>
+  </p:cSld>
+  <p:clrMapOvr>
+    <a:masterClrMapping/>
+  </p:clrMapOvr>
+</p:notes>
+</file>
+
+<file path=ppt/notesSlides/notesSlide11.xml><?xml version="1.0" encoding="utf-8"?>
+<p:notes xmlns:a="http://schemas.openxmlformats.org/drawingml/2006/main" xmlns:r="http://schemas.openxmlformats.org/officeDocument/2006/relationships" xmlns:p="http://schemas.openxmlformats.org/presentationml/2006/main" showMasterSp="0" showMasterPhAnim="0">
+  <p:cSld>
+    <p:spTree>
+      <p:nvGrpSpPr>
         <p:cNvPr id="1" name="Shape 219"/>
         <p:cNvGrpSpPr/>
         <p:nvPr/>
@@ -2014,7 +2191,7 @@
             </a:pPr>
             <a:fld id="{00000000-1234-1234-1234-123412341234}" type="slidenum">
               <a:rPr lang="en-US"/>
-              <a:t>10</a:t>
+              <a:t>11</a:t>
             </a:fld>
             <a:endParaRPr/>
           </a:p>
@@ -2028,7 +2205,7 @@
 </p:notes>
 </file>
 
-<file path=ppt/notesSlides/notesSlide11.xml><?xml version="1.0" encoding="utf-8"?>
+<file path=ppt/notesSlides/notesSlide12.xml><?xml version="1.0" encoding="utf-8"?>
 <p:notes xmlns:a="http://schemas.openxmlformats.org/drawingml/2006/main" xmlns:r="http://schemas.openxmlformats.org/officeDocument/2006/relationships" xmlns:p="http://schemas.openxmlformats.org/presentationml/2006/main" showMasterSp="0" showMasterPhAnim="0">
   <p:cSld>
     <p:spTree>
@@ -2190,7 +2367,7 @@
             </a:pPr>
             <a:fld id="{00000000-1234-1234-1234-123412341234}" type="slidenum">
               <a:rPr lang="en-US"/>
-              <a:t>11</a:t>
+              <a:t>12</a:t>
             </a:fld>
             <a:endParaRPr/>
           </a:p>
@@ -2204,7 +2381,7 @@
 </p:notes>
 </file>
 
-<file path=ppt/notesSlides/notesSlide12.xml><?xml version="1.0" encoding="utf-8"?>
+<file path=ppt/notesSlides/notesSlide13.xml><?xml version="1.0" encoding="utf-8"?>
 <p:notes xmlns:a="http://schemas.openxmlformats.org/drawingml/2006/main" xmlns:r="http://schemas.openxmlformats.org/officeDocument/2006/relationships" xmlns:p="http://schemas.openxmlformats.org/presentationml/2006/main" showMasterSp="0" showMasterPhAnim="0">
   <p:cSld>
     <p:spTree>
@@ -2362,7 +2539,7 @@
             </a:pPr>
             <a:fld id="{00000000-1234-1234-1234-123412341234}" type="slidenum">
               <a:rPr lang="en-US"/>
-              <a:t>12</a:t>
+              <a:t>13</a:t>
             </a:fld>
             <a:endParaRPr/>
           </a:p>
@@ -3254,6 +3431,211 @@
   <p:cSld>
     <p:spTree>
       <p:nvGrpSpPr>
+        <p:cNvPr id="1" name="Shape 147">
+          <a:extLst>
+            <a:ext uri="{FF2B5EF4-FFF2-40B4-BE49-F238E27FC236}">
+              <a16:creationId xmlns:a16="http://schemas.microsoft.com/office/drawing/2014/main" id="{EB1377C0-1EBA-F4DC-3D7D-4D0BCE05F550}"/>
+            </a:ext>
+          </a:extLst>
+        </p:cNvPr>
+        <p:cNvGrpSpPr/>
+        <p:nvPr/>
+      </p:nvGrpSpPr>
+      <p:grpSpPr>
+        <a:xfrm>
+          <a:off x="0" y="0"/>
+          <a:ext cx="0" cy="0"/>
+          <a:chOff x="0" y="0"/>
+          <a:chExt cx="0" cy="0"/>
+        </a:xfrm>
+      </p:grpSpPr>
+      <p:sp>
+        <p:nvSpPr>
+          <p:cNvPr id="148" name="Google Shape;148;p31:notes">
+            <a:extLst>
+              <a:ext uri="{FF2B5EF4-FFF2-40B4-BE49-F238E27FC236}">
+                <a16:creationId xmlns:a16="http://schemas.microsoft.com/office/drawing/2014/main" id="{717D4B64-CA52-0270-2BC4-430FF4CCFC33}"/>
+              </a:ext>
+            </a:extLst>
+          </p:cNvPr>
+          <p:cNvSpPr>
+            <a:spLocks noGrp="1" noRot="1" noChangeAspect="1"/>
+          </p:cNvSpPr>
+          <p:nvPr>
+            <p:ph type="sldImg" idx="2"/>
+          </p:nvPr>
+        </p:nvSpPr>
+        <p:spPr>
+          <a:xfrm>
+            <a:off x="685800" y="1143000"/>
+            <a:ext cx="5486400" cy="3086100"/>
+          </a:xfrm>
+          <a:custGeom>
+            <a:avLst/>
+            <a:gdLst/>
+            <a:ahLst/>
+            <a:cxnLst/>
+            <a:rect l="l" t="t" r="r" b="b"/>
+            <a:pathLst>
+              <a:path w="120000" h="120000" extrusionOk="0">
+                <a:moveTo>
+                  <a:pt x="0" y="0"/>
+                </a:moveTo>
+                <a:lnTo>
+                  <a:pt x="120000" y="0"/>
+                </a:lnTo>
+                <a:lnTo>
+                  <a:pt x="120000" y="120000"/>
+                </a:lnTo>
+                <a:lnTo>
+                  <a:pt x="0" y="120000"/>
+                </a:lnTo>
+                <a:close/>
+              </a:path>
+            </a:pathLst>
+          </a:custGeom>
+          <a:noFill/>
+          <a:ln w="12700" cap="flat" cmpd="sng">
+            <a:solidFill>
+              <a:srgbClr val="000000"/>
+            </a:solidFill>
+            <a:prstDash val="solid"/>
+            <a:round/>
+            <a:headEnd type="none" w="sm" len="sm"/>
+            <a:tailEnd type="none" w="sm" len="sm"/>
+          </a:ln>
+        </p:spPr>
+      </p:sp>
+      <p:sp>
+        <p:nvSpPr>
+          <p:cNvPr id="149" name="Google Shape;149;p31:notes">
+            <a:extLst>
+              <a:ext uri="{FF2B5EF4-FFF2-40B4-BE49-F238E27FC236}">
+                <a16:creationId xmlns:a16="http://schemas.microsoft.com/office/drawing/2014/main" id="{65D86672-F3D3-49F3-8D28-2840D5F5E623}"/>
+              </a:ext>
+            </a:extLst>
+          </p:cNvPr>
+          <p:cNvSpPr txBox="1">
+            <a:spLocks noGrp="1"/>
+          </p:cNvSpPr>
+          <p:nvPr>
+            <p:ph type="body" idx="1"/>
+          </p:nvPr>
+        </p:nvSpPr>
+        <p:spPr>
+          <a:xfrm>
+            <a:off x="685800" y="4400550"/>
+            <a:ext cx="5486400" cy="3600450"/>
+          </a:xfrm>
+          <a:prstGeom prst="rect">
+            <a:avLst/>
+          </a:prstGeom>
+          <a:noFill/>
+          <a:ln>
+            <a:noFill/>
+          </a:ln>
+        </p:spPr>
+        <p:txBody>
+          <a:bodyPr spcFirstLastPara="1" wrap="square" lIns="91425" tIns="45700" rIns="91425" bIns="45700" anchor="t" anchorCtr="0">
+            <a:noAutofit/>
+          </a:bodyPr>
+          <a:lstStyle/>
+          <a:p>
+            <a:pPr marL="0" lvl="0" indent="0" algn="l" rtl="0">
+              <a:lnSpc>
+                <a:spcPct val="100000"/>
+              </a:lnSpc>
+              <a:spcBef>
+                <a:spcPts val="0"/>
+              </a:spcBef>
+              <a:spcAft>
+                <a:spcPts val="0"/>
+              </a:spcAft>
+              <a:buSzPts val="1400"/>
+              <a:buNone/>
+            </a:pPr>
+            <a:r>
+              <a:rPr lang="en-US"/>
+              <a:t>Available pre-trained embedding layers (e.g., trained on Wikipedia page data), but you can also fit these models on your own corpus of text, to learn context-specific embeddings.</a:t>
+            </a:r>
+            <a:endParaRPr/>
+          </a:p>
+        </p:txBody>
+      </p:sp>
+      <p:sp>
+        <p:nvSpPr>
+          <p:cNvPr id="150" name="Google Shape;150;p31:notes">
+            <a:extLst>
+              <a:ext uri="{FF2B5EF4-FFF2-40B4-BE49-F238E27FC236}">
+                <a16:creationId xmlns:a16="http://schemas.microsoft.com/office/drawing/2014/main" id="{CC7D396F-2102-6EB0-09CB-946DA367C55A}"/>
+              </a:ext>
+            </a:extLst>
+          </p:cNvPr>
+          <p:cNvSpPr txBox="1">
+            <a:spLocks noGrp="1"/>
+          </p:cNvSpPr>
+          <p:nvPr>
+            <p:ph type="sldNum" idx="12"/>
+          </p:nvPr>
+        </p:nvSpPr>
+        <p:spPr>
+          <a:xfrm>
+            <a:off x="3884613" y="8685213"/>
+            <a:ext cx="2971800" cy="458787"/>
+          </a:xfrm>
+          <a:prstGeom prst="rect">
+            <a:avLst/>
+          </a:prstGeom>
+          <a:noFill/>
+          <a:ln>
+            <a:noFill/>
+          </a:ln>
+        </p:spPr>
+        <p:txBody>
+          <a:bodyPr spcFirstLastPara="1" wrap="square" lIns="91425" tIns="45700" rIns="91425" bIns="45700" anchor="b" anchorCtr="0">
+            <a:noAutofit/>
+          </a:bodyPr>
+          <a:lstStyle/>
+          <a:p>
+            <a:pPr marL="0" lvl="0" indent="0" algn="r" rtl="0">
+              <a:lnSpc>
+                <a:spcPct val="100000"/>
+              </a:lnSpc>
+              <a:spcBef>
+                <a:spcPts val="0"/>
+              </a:spcBef>
+              <a:spcAft>
+                <a:spcPts val="0"/>
+              </a:spcAft>
+              <a:buSzPts val="1400"/>
+              <a:buNone/>
+            </a:pPr>
+            <a:fld id="{00000000-1234-1234-1234-123412341234}" type="slidenum">
+              <a:rPr lang="en-US"/>
+              <a:t>8</a:t>
+            </a:fld>
+            <a:endParaRPr/>
+          </a:p>
+        </p:txBody>
+      </p:sp>
+    </p:spTree>
+    <p:extLst>
+      <p:ext uri="{BB962C8B-B14F-4D97-AF65-F5344CB8AC3E}">
+        <p14:creationId xmlns:p14="http://schemas.microsoft.com/office/powerpoint/2010/main" val="2414717035"/>
+      </p:ext>
+    </p:extLst>
+  </p:cSld>
+  <p:clrMapOvr>
+    <a:masterClrMapping/>
+  </p:clrMapOvr>
+</p:notes>
+</file>
+
+<file path=ppt/notesSlides/notesSlide9.xml><?xml version="1.0" encoding="utf-8"?>
+<p:notes xmlns:a="http://schemas.openxmlformats.org/drawingml/2006/main" xmlns:r="http://schemas.openxmlformats.org/officeDocument/2006/relationships" xmlns:p="http://schemas.openxmlformats.org/presentationml/2006/main" showMasterSp="0" showMasterPhAnim="0">
+  <p:cSld>
+    <p:spTree>
+      <p:nvGrpSpPr>
         <p:cNvPr id="1" name="Shape 163"/>
         <p:cNvGrpSpPr/>
         <p:nvPr/>
@@ -3370,182 +3752,6 @@
       <p:sp>
         <p:nvSpPr>
           <p:cNvPr id="166" name="Google Shape;166;p10:notes"/>
-          <p:cNvSpPr txBox="1">
-            <a:spLocks noGrp="1"/>
-          </p:cNvSpPr>
-          <p:nvPr>
-            <p:ph type="sldNum" idx="12"/>
-          </p:nvPr>
-        </p:nvSpPr>
-        <p:spPr>
-          <a:xfrm>
-            <a:off x="3884613" y="8685213"/>
-            <a:ext cx="2971800" cy="458787"/>
-          </a:xfrm>
-          <a:prstGeom prst="rect">
-            <a:avLst/>
-          </a:prstGeom>
-          <a:noFill/>
-          <a:ln>
-            <a:noFill/>
-          </a:ln>
-        </p:spPr>
-        <p:txBody>
-          <a:bodyPr spcFirstLastPara="1" wrap="square" lIns="91425" tIns="45700" rIns="91425" bIns="45700" anchor="b" anchorCtr="0">
-            <a:noAutofit/>
-          </a:bodyPr>
-          <a:lstStyle/>
-          <a:p>
-            <a:pPr marL="0" lvl="0" indent="0" algn="r" rtl="0">
-              <a:lnSpc>
-                <a:spcPct val="100000"/>
-              </a:lnSpc>
-              <a:spcBef>
-                <a:spcPts val="0"/>
-              </a:spcBef>
-              <a:spcAft>
-                <a:spcPts val="0"/>
-              </a:spcAft>
-              <a:buSzPts val="1400"/>
-              <a:buNone/>
-            </a:pPr>
-            <a:fld id="{00000000-1234-1234-1234-123412341234}" type="slidenum">
-              <a:rPr lang="en-US"/>
-              <a:t>8</a:t>
-            </a:fld>
-            <a:endParaRPr/>
-          </a:p>
-        </p:txBody>
-      </p:sp>
-    </p:spTree>
-  </p:cSld>
-  <p:clrMapOvr>
-    <a:masterClrMapping/>
-  </p:clrMapOvr>
-</p:notes>
-</file>
-
-<file path=ppt/notesSlides/notesSlide9.xml><?xml version="1.0" encoding="utf-8"?>
-<p:notes xmlns:a="http://schemas.openxmlformats.org/drawingml/2006/main" xmlns:r="http://schemas.openxmlformats.org/officeDocument/2006/relationships" xmlns:p="http://schemas.openxmlformats.org/presentationml/2006/main" showMasterSp="0" showMasterPhAnim="0">
-  <p:cSld>
-    <p:spTree>
-      <p:nvGrpSpPr>
-        <p:cNvPr id="1" name="Shape 172"/>
-        <p:cNvGrpSpPr/>
-        <p:nvPr/>
-      </p:nvGrpSpPr>
-      <p:grpSpPr>
-        <a:xfrm>
-          <a:off x="0" y="0"/>
-          <a:ext cx="0" cy="0"/>
-          <a:chOff x="0" y="0"/>
-          <a:chExt cx="0" cy="0"/>
-        </a:xfrm>
-      </p:grpSpPr>
-      <p:sp>
-        <p:nvSpPr>
-          <p:cNvPr id="173" name="Google Shape;173;p11:notes"/>
-          <p:cNvSpPr>
-            <a:spLocks noGrp="1" noRot="1" noChangeAspect="1"/>
-          </p:cNvSpPr>
-          <p:nvPr>
-            <p:ph type="sldImg" idx="2"/>
-          </p:nvPr>
-        </p:nvSpPr>
-        <p:spPr>
-          <a:xfrm>
-            <a:off x="685800" y="1143000"/>
-            <a:ext cx="5486400" cy="3086100"/>
-          </a:xfrm>
-          <a:custGeom>
-            <a:avLst/>
-            <a:gdLst/>
-            <a:ahLst/>
-            <a:cxnLst/>
-            <a:rect l="l" t="t" r="r" b="b"/>
-            <a:pathLst>
-              <a:path w="120000" h="120000" extrusionOk="0">
-                <a:moveTo>
-                  <a:pt x="0" y="0"/>
-                </a:moveTo>
-                <a:lnTo>
-                  <a:pt x="120000" y="0"/>
-                </a:lnTo>
-                <a:lnTo>
-                  <a:pt x="120000" y="120000"/>
-                </a:lnTo>
-                <a:lnTo>
-                  <a:pt x="0" y="120000"/>
-                </a:lnTo>
-                <a:close/>
-              </a:path>
-            </a:pathLst>
-          </a:custGeom>
-          <a:noFill/>
-          <a:ln w="12700" cap="flat" cmpd="sng">
-            <a:solidFill>
-              <a:srgbClr val="000000"/>
-            </a:solidFill>
-            <a:prstDash val="solid"/>
-            <a:round/>
-            <a:headEnd type="none" w="sm" len="sm"/>
-            <a:tailEnd type="none" w="sm" len="sm"/>
-          </a:ln>
-        </p:spPr>
-      </p:sp>
-      <p:sp>
-        <p:nvSpPr>
-          <p:cNvPr id="174" name="Google Shape;174;p11:notes"/>
-          <p:cNvSpPr txBox="1">
-            <a:spLocks noGrp="1"/>
-          </p:cNvSpPr>
-          <p:nvPr>
-            <p:ph type="body" idx="1"/>
-          </p:nvPr>
-        </p:nvSpPr>
-        <p:spPr>
-          <a:xfrm>
-            <a:off x="685800" y="4400550"/>
-            <a:ext cx="5486400" cy="3600450"/>
-          </a:xfrm>
-          <a:prstGeom prst="rect">
-            <a:avLst/>
-          </a:prstGeom>
-          <a:noFill/>
-          <a:ln>
-            <a:noFill/>
-          </a:ln>
-        </p:spPr>
-        <p:txBody>
-          <a:bodyPr spcFirstLastPara="1" wrap="square" lIns="91425" tIns="45700" rIns="91425" bIns="45700" anchor="t" anchorCtr="0">
-            <a:noAutofit/>
-          </a:bodyPr>
-          <a:lstStyle/>
-          <a:p>
-            <a:pPr marL="0" lvl="0" indent="0" algn="l" rtl="0">
-              <a:lnSpc>
-                <a:spcPct val="100000"/>
-              </a:lnSpc>
-              <a:spcBef>
-                <a:spcPts val="0"/>
-              </a:spcBef>
-              <a:spcAft>
-                <a:spcPts val="0"/>
-              </a:spcAft>
-              <a:buSzPts val="1400"/>
-              <a:buNone/>
-            </a:pPr>
-            <a:r>
-              <a:rPr lang="en-US"/>
-              <a:t>This is skipgram on the right. One word to surrounding context words (we map input word to </a:t>
-            </a:r>
-            <a:endParaRPr/>
-          </a:p>
-        </p:txBody>
-      </p:sp>
-      <p:sp>
-        <p:nvSpPr>
-          <p:cNvPr id="175" name="Google Shape;175;p11:notes"/>
           <p:cNvSpPr txBox="1">
             <a:spLocks noGrp="1"/>
           </p:cNvSpPr>
@@ -17169,6 +17375,338 @@
   <p:cSld>
     <p:spTree>
       <p:nvGrpSpPr>
+        <p:cNvPr id="1" name="Shape 176"/>
+        <p:cNvGrpSpPr/>
+        <p:nvPr/>
+      </p:nvGrpSpPr>
+      <p:grpSpPr>
+        <a:xfrm>
+          <a:off x="0" y="0"/>
+          <a:ext cx="0" cy="0"/>
+          <a:chOff x="0" y="0"/>
+          <a:chExt cx="0" cy="0"/>
+        </a:xfrm>
+      </p:grpSpPr>
+      <p:sp>
+        <p:nvSpPr>
+          <p:cNvPr id="177" name="Google Shape;177;p11"/>
+          <p:cNvSpPr txBox="1"/>
+          <p:nvPr/>
+        </p:nvSpPr>
+        <p:spPr>
+          <a:xfrm>
+            <a:off x="1325629" y="639657"/>
+            <a:ext cx="9540742" cy="923330"/>
+          </a:xfrm>
+          <a:prstGeom prst="rect">
+            <a:avLst/>
+          </a:prstGeom>
+          <a:noFill/>
+          <a:ln>
+            <a:noFill/>
+          </a:ln>
+        </p:spPr>
+        <p:txBody>
+          <a:bodyPr spcFirstLastPara="1" wrap="square" lIns="91425" tIns="45700" rIns="91425" bIns="45700" anchor="t" anchorCtr="0">
+            <a:spAutoFit/>
+          </a:bodyPr>
+          <a:lstStyle/>
+          <a:p>
+            <a:pPr marL="0" marR="0" lvl="0" indent="0" algn="ctr" rtl="0">
+              <a:lnSpc>
+                <a:spcPct val="100000"/>
+              </a:lnSpc>
+              <a:spcBef>
+                <a:spcPts val="0"/>
+              </a:spcBef>
+              <a:spcAft>
+                <a:spcPts val="0"/>
+              </a:spcAft>
+              <a:buClr>
+                <a:srgbClr val="000000"/>
+              </a:buClr>
+              <a:buSzPts val="5400"/>
+              <a:buFont typeface="Arial"/>
+              <a:buNone/>
+            </a:pPr>
+            <a:r>
+              <a:rPr lang="en-US" sz="5400" b="0" i="0" u="none" strike="noStrike" cap="none">
+                <a:solidFill>
+                  <a:schemeClr val="dk1"/>
+                </a:solidFill>
+                <a:latin typeface="Economica"/>
+                <a:ea typeface="Economica"/>
+                <a:cs typeface="Economica"/>
+                <a:sym typeface="Economica"/>
+              </a:rPr>
+              <a:t>Pre-Trained Embeddings: Limitation</a:t>
+            </a:r>
+            <a:endParaRPr sz="1400" b="0" i="0" u="none" strike="noStrike" cap="none">
+              <a:solidFill>
+                <a:srgbClr val="000000"/>
+              </a:solidFill>
+              <a:latin typeface="Arial"/>
+              <a:ea typeface="Arial"/>
+              <a:cs typeface="Arial"/>
+              <a:sym typeface="Arial"/>
+            </a:endParaRPr>
+          </a:p>
+        </p:txBody>
+      </p:sp>
+      <p:sp>
+        <p:nvSpPr>
+          <p:cNvPr id="178" name="Google Shape;178;p11"/>
+          <p:cNvSpPr txBox="1"/>
+          <p:nvPr/>
+        </p:nvSpPr>
+        <p:spPr>
+          <a:xfrm>
+            <a:off x="772620" y="1950155"/>
+            <a:ext cx="10093751" cy="3170099"/>
+          </a:xfrm>
+          <a:prstGeom prst="rect">
+            <a:avLst/>
+          </a:prstGeom>
+          <a:noFill/>
+          <a:ln>
+            <a:noFill/>
+          </a:ln>
+        </p:spPr>
+        <p:txBody>
+          <a:bodyPr spcFirstLastPara="1" wrap="square" lIns="91425" tIns="45700" rIns="91425" bIns="45700" anchor="t" anchorCtr="0">
+            <a:spAutoFit/>
+          </a:bodyPr>
+          <a:lstStyle/>
+          <a:p>
+            <a:pPr marL="0" marR="0" lvl="0" indent="0" algn="l" rtl="0">
+              <a:lnSpc>
+                <a:spcPct val="100000"/>
+              </a:lnSpc>
+              <a:spcBef>
+                <a:spcPts val="0"/>
+              </a:spcBef>
+              <a:spcAft>
+                <a:spcPts val="0"/>
+              </a:spcAft>
+              <a:buClr>
+                <a:srgbClr val="000000"/>
+              </a:buClr>
+              <a:buSzPts val="2000"/>
+              <a:buFont typeface="Arial"/>
+              <a:buNone/>
+            </a:pPr>
+            <a:r>
+              <a:rPr lang="en-US" sz="2000" b="1" i="0" u="none" strike="noStrike" cap="none">
+                <a:solidFill>
+                  <a:schemeClr val="dk1"/>
+                </a:solidFill>
+                <a:latin typeface="Quicksand"/>
+                <a:ea typeface="Quicksand"/>
+                <a:cs typeface="Quicksand"/>
+                <a:sym typeface="Quicksand"/>
+              </a:rPr>
+              <a:t>Out of Sample Words</a:t>
+            </a:r>
+            <a:endParaRPr sz="1400" b="0" i="0" u="none" strike="noStrike" cap="none">
+              <a:solidFill>
+                <a:srgbClr val="000000"/>
+              </a:solidFill>
+              <a:latin typeface="Arial"/>
+              <a:ea typeface="Arial"/>
+              <a:cs typeface="Arial"/>
+              <a:sym typeface="Arial"/>
+            </a:endParaRPr>
+          </a:p>
+          <a:p>
+            <a:pPr marL="342900" marR="0" lvl="0" indent="-342900" algn="l" rtl="0">
+              <a:lnSpc>
+                <a:spcPct val="100000"/>
+              </a:lnSpc>
+              <a:spcBef>
+                <a:spcPts val="0"/>
+              </a:spcBef>
+              <a:spcAft>
+                <a:spcPts val="0"/>
+              </a:spcAft>
+              <a:buClr>
+                <a:schemeClr val="dk1"/>
+              </a:buClr>
+              <a:buSzPts val="2000"/>
+              <a:buFont typeface="Arial"/>
+              <a:buChar char="•"/>
+            </a:pPr>
+            <a:r>
+              <a:rPr lang="en-US" sz="2000" b="0" i="0" u="none" strike="noStrike" cap="none">
+                <a:solidFill>
+                  <a:schemeClr val="dk1"/>
+                </a:solidFill>
+                <a:latin typeface="Quicksand"/>
+                <a:ea typeface="Quicksand"/>
+                <a:cs typeface="Quicksand"/>
+                <a:sym typeface="Quicksand"/>
+              </a:rPr>
+              <a:t>Both GloVe and Word2Vec are limited to words you’ve seen before in training. They cannot handle new words. Those words thus get omitted / dropped, or you need to do something different. </a:t>
+            </a:r>
+            <a:endParaRPr sz="1400" b="0" i="0" u="none" strike="noStrike" cap="none">
+              <a:solidFill>
+                <a:srgbClr val="000000"/>
+              </a:solidFill>
+              <a:latin typeface="Arial"/>
+              <a:ea typeface="Arial"/>
+              <a:cs typeface="Arial"/>
+              <a:sym typeface="Arial"/>
+            </a:endParaRPr>
+          </a:p>
+          <a:p>
+            <a:pPr marL="342900" marR="0" lvl="0" indent="-215900" algn="l" rtl="0">
+              <a:lnSpc>
+                <a:spcPct val="100000"/>
+              </a:lnSpc>
+              <a:spcBef>
+                <a:spcPts val="0"/>
+              </a:spcBef>
+              <a:spcAft>
+                <a:spcPts val="0"/>
+              </a:spcAft>
+              <a:buClr>
+                <a:schemeClr val="dk1"/>
+              </a:buClr>
+              <a:buSzPts val="2000"/>
+              <a:buFont typeface="Arial"/>
+              <a:buNone/>
+            </a:pPr>
+            <a:endParaRPr sz="2000" b="0" i="0" u="none" strike="noStrike" cap="none">
+              <a:solidFill>
+                <a:schemeClr val="dk1"/>
+              </a:solidFill>
+              <a:latin typeface="Quicksand"/>
+              <a:ea typeface="Quicksand"/>
+              <a:cs typeface="Quicksand"/>
+              <a:sym typeface="Quicksand"/>
+            </a:endParaRPr>
+          </a:p>
+          <a:p>
+            <a:pPr marL="0" marR="0" lvl="0" indent="0" algn="l" rtl="0">
+              <a:lnSpc>
+                <a:spcPct val="100000"/>
+              </a:lnSpc>
+              <a:spcBef>
+                <a:spcPts val="0"/>
+              </a:spcBef>
+              <a:spcAft>
+                <a:spcPts val="0"/>
+              </a:spcAft>
+              <a:buClr>
+                <a:srgbClr val="000000"/>
+              </a:buClr>
+              <a:buSzPts val="2000"/>
+              <a:buFont typeface="Arial"/>
+              <a:buNone/>
+            </a:pPr>
+            <a:r>
+              <a:rPr lang="en-US" sz="2000" b="1" i="0" u="none" strike="noStrike" cap="none">
+                <a:solidFill>
+                  <a:schemeClr val="dk1"/>
+                </a:solidFill>
+                <a:latin typeface="Quicksand"/>
+                <a:ea typeface="Quicksand"/>
+                <a:cs typeface="Quicksand"/>
+                <a:sym typeface="Quicksand"/>
+              </a:rPr>
+              <a:t>FastText</a:t>
+            </a:r>
+            <a:endParaRPr sz="2000" b="1" i="0" u="none" strike="noStrike" cap="none">
+              <a:solidFill>
+                <a:schemeClr val="dk1"/>
+              </a:solidFill>
+              <a:latin typeface="Quicksand"/>
+              <a:ea typeface="Quicksand"/>
+              <a:cs typeface="Quicksand"/>
+              <a:sym typeface="Quicksand"/>
+            </a:endParaRPr>
+          </a:p>
+          <a:p>
+            <a:pPr marL="342900" marR="0" lvl="0" indent="-342900" algn="l" rtl="0">
+              <a:lnSpc>
+                <a:spcPct val="100000"/>
+              </a:lnSpc>
+              <a:spcBef>
+                <a:spcPts val="0"/>
+              </a:spcBef>
+              <a:spcAft>
+                <a:spcPts val="0"/>
+              </a:spcAft>
+              <a:buClr>
+                <a:schemeClr val="dk1"/>
+              </a:buClr>
+              <a:buSzPts val="2000"/>
+              <a:buFont typeface="Arial"/>
+              <a:buChar char="•"/>
+            </a:pPr>
+            <a:r>
+              <a:rPr lang="en-US" sz="2000" b="0" i="0" u="none" strike="noStrike" cap="none">
+                <a:solidFill>
+                  <a:schemeClr val="dk1"/>
+                </a:solidFill>
+                <a:latin typeface="Quicksand"/>
+                <a:ea typeface="Quicksand"/>
+                <a:cs typeface="Quicksand"/>
+                <a:sym typeface="Quicksand"/>
+              </a:rPr>
+              <a:t>An extension to Word2Vec which learns character n-grams of words. So, instead of embedding words, we embed portions of words (e.g., a 3-gram character representation would break up the word ‘coffee’ into ‘cof’, ‘off’, ‘ffe’, … and then learn vector embeddings of each. </a:t>
+            </a:r>
+            <a:endParaRPr sz="1400" b="0" i="0" u="none" strike="noStrike" cap="none">
+              <a:solidFill>
+                <a:srgbClr val="000000"/>
+              </a:solidFill>
+              <a:latin typeface="Arial"/>
+              <a:ea typeface="Arial"/>
+              <a:cs typeface="Arial"/>
+              <a:sym typeface="Arial"/>
+            </a:endParaRPr>
+          </a:p>
+        </p:txBody>
+      </p:sp>
+      <p:pic>
+        <p:nvPicPr>
+          <p:cNvPr id="179" name="Google Shape;179;p11" descr="A Visual Guide to FastText Word Embeddings"/>
+          <p:cNvPicPr preferRelativeResize="0"/>
+          <p:nvPr/>
+        </p:nvPicPr>
+        <p:blipFill rotWithShape="1">
+          <a:blip r:embed="rId3">
+            <a:alphaModFix/>
+          </a:blip>
+          <a:srcRect/>
+          <a:stretch/>
+        </p:blipFill>
+        <p:spPr>
+          <a:xfrm>
+            <a:off x="4171602" y="5000195"/>
+            <a:ext cx="3848796" cy="1530602"/>
+          </a:xfrm>
+          <a:prstGeom prst="rect">
+            <a:avLst/>
+          </a:prstGeom>
+          <a:noFill/>
+          <a:ln>
+            <a:noFill/>
+          </a:ln>
+        </p:spPr>
+      </p:pic>
+    </p:spTree>
+  </p:cSld>
+  <p:clrMapOvr>
+    <a:masterClrMapping/>
+  </p:clrMapOvr>
+</p:sld>
+</file>
+
+<file path=ppt/slides/slide11.xml><?xml version="1.0" encoding="utf-8"?>
+<p:sld xmlns:a="http://schemas.openxmlformats.org/drawingml/2006/main" xmlns:r="http://schemas.openxmlformats.org/officeDocument/2006/relationships" xmlns:p="http://schemas.openxmlformats.org/presentationml/2006/main">
+  <p:cSld>
+    <p:spTree>
+      <p:nvGrpSpPr>
         <p:cNvPr id="1" name="Shape 223"/>
         <p:cNvGrpSpPr/>
         <p:nvPr/>
@@ -17456,7 +17994,7 @@
 </p:sld>
 </file>
 
-<file path=ppt/slides/slide11.xml><?xml version="1.0" encoding="utf-8"?>
+<file path=ppt/slides/slide12.xml><?xml version="1.0" encoding="utf-8"?>
 <p:sld xmlns:a="http://schemas.openxmlformats.org/drawingml/2006/main" xmlns:r="http://schemas.openxmlformats.org/officeDocument/2006/relationships" xmlns:p="http://schemas.openxmlformats.org/presentationml/2006/main">
   <p:cSld>
     <p:spTree>
@@ -17828,7 +18366,7 @@
 </p:sld>
 </file>
 
-<file path=ppt/slides/slide12.xml><?xml version="1.0" encoding="utf-8"?>
+<file path=ppt/slides/slide13.xml><?xml version="1.0" encoding="utf-8"?>
 <p:sld xmlns:a="http://schemas.openxmlformats.org/drawingml/2006/main" xmlns:r="http://schemas.openxmlformats.org/officeDocument/2006/relationships" xmlns:p="http://schemas.openxmlformats.org/presentationml/2006/main">
   <p:cSld>
     <p:spTree>
@@ -18903,7 +19441,7 @@
         </p:nvGraphicFramePr>
         <p:xfrm>
           <a:off x="2664178" y="3652820"/>
-          <a:ext cx="3000000" cy="3000000"/>
+          <a:ext cx="6863625" cy="2801900"/>
         </p:xfrm>
         <a:graphic>
           <a:graphicData uri="http://schemas.openxmlformats.org/drawingml/2006/table">
@@ -26155,6 +26693,189 @@
   <p:cSld>
     <p:spTree>
       <p:nvGrpSpPr>
+        <p:cNvPr id="1" name="Shape 151">
+          <a:extLst>
+            <a:ext uri="{FF2B5EF4-FFF2-40B4-BE49-F238E27FC236}">
+              <a16:creationId xmlns:a16="http://schemas.microsoft.com/office/drawing/2014/main" id="{BBB15C14-99BB-0F90-AB0E-D150AA3C916F}"/>
+            </a:ext>
+          </a:extLst>
+        </p:cNvPr>
+        <p:cNvGrpSpPr/>
+        <p:nvPr/>
+      </p:nvGrpSpPr>
+      <p:grpSpPr>
+        <a:xfrm>
+          <a:off x="0" y="0"/>
+          <a:ext cx="0" cy="0"/>
+          <a:chOff x="0" y="0"/>
+          <a:chExt cx="0" cy="0"/>
+        </a:xfrm>
+      </p:grpSpPr>
+      <p:sp>
+        <p:nvSpPr>
+          <p:cNvPr id="152" name="Google Shape;152;p31">
+            <a:extLst>
+              <a:ext uri="{FF2B5EF4-FFF2-40B4-BE49-F238E27FC236}">
+                <a16:creationId xmlns:a16="http://schemas.microsoft.com/office/drawing/2014/main" id="{265B7E73-2908-BF51-412F-3E125F5EE6D7}"/>
+              </a:ext>
+            </a:extLst>
+          </p:cNvPr>
+          <p:cNvSpPr txBox="1"/>
+          <p:nvPr/>
+        </p:nvSpPr>
+        <p:spPr>
+          <a:xfrm>
+            <a:off x="1325629" y="356839"/>
+            <a:ext cx="9540742" cy="923289"/>
+          </a:xfrm>
+          <a:prstGeom prst="rect">
+            <a:avLst/>
+          </a:prstGeom>
+          <a:noFill/>
+          <a:ln>
+            <a:noFill/>
+          </a:ln>
+        </p:spPr>
+        <p:txBody>
+          <a:bodyPr spcFirstLastPara="1" wrap="square" lIns="91425" tIns="45700" rIns="91425" bIns="45700" anchor="t" anchorCtr="0">
+            <a:spAutoFit/>
+          </a:bodyPr>
+          <a:lstStyle/>
+          <a:p>
+            <a:pPr marL="0" marR="0" lvl="0" indent="0" algn="ctr" rtl="0">
+              <a:lnSpc>
+                <a:spcPct val="100000"/>
+              </a:lnSpc>
+              <a:spcBef>
+                <a:spcPts val="0"/>
+              </a:spcBef>
+              <a:spcAft>
+                <a:spcPts val="0"/>
+              </a:spcAft>
+              <a:buClr>
+                <a:srgbClr val="000000"/>
+              </a:buClr>
+              <a:buSzPts val="5400"/>
+              <a:buFont typeface="Arial"/>
+              <a:buNone/>
+            </a:pPr>
+            <a:r>
+              <a:rPr lang="en-US" sz="5400" dirty="0">
+                <a:solidFill>
+                  <a:schemeClr val="dk1"/>
+                </a:solidFill>
+                <a:latin typeface="Economica"/>
+                <a:sym typeface="Economica"/>
+              </a:rPr>
+              <a:t>Numeric (Vector) Representations of Text</a:t>
+            </a:r>
+            <a:endParaRPr sz="1400" b="0" i="0" u="none" strike="noStrike" cap="none" dirty="0">
+              <a:solidFill>
+                <a:srgbClr val="000000"/>
+              </a:solidFill>
+              <a:latin typeface="Arial"/>
+              <a:ea typeface="Arial"/>
+              <a:cs typeface="Arial"/>
+              <a:sym typeface="Arial"/>
+            </a:endParaRPr>
+          </a:p>
+        </p:txBody>
+      </p:sp>
+      <p:pic>
+        <p:nvPicPr>
+          <p:cNvPr id="3" name="Picture 2">
+            <a:extLst>
+              <a:ext uri="{FF2B5EF4-FFF2-40B4-BE49-F238E27FC236}">
+                <a16:creationId xmlns:a16="http://schemas.microsoft.com/office/drawing/2014/main" id="{A01B74B6-85B5-6227-B741-53A5F47B7A75}"/>
+              </a:ext>
+            </a:extLst>
+          </p:cNvPr>
+          <p:cNvPicPr>
+            <a:picLocks noChangeAspect="1"/>
+          </p:cNvPicPr>
+          <p:nvPr/>
+        </p:nvPicPr>
+        <p:blipFill>
+          <a:blip r:embed="rId3"/>
+          <a:stretch>
+            <a:fillRect/>
+          </a:stretch>
+        </p:blipFill>
+        <p:spPr>
+          <a:xfrm>
+            <a:off x="1074503" y="2044504"/>
+            <a:ext cx="3303365" cy="3713356"/>
+          </a:xfrm>
+          <a:prstGeom prst="rect">
+            <a:avLst/>
+          </a:prstGeom>
+        </p:spPr>
+      </p:pic>
+      <p:pic>
+        <p:nvPicPr>
+          <p:cNvPr id="1026" name="Picture 2" descr="image">
+            <a:extLst>
+              <a:ext uri="{FF2B5EF4-FFF2-40B4-BE49-F238E27FC236}">
+                <a16:creationId xmlns:a16="http://schemas.microsoft.com/office/drawing/2014/main" id="{6FC771ED-40F9-E3B8-8B47-13B69170FE45}"/>
+              </a:ext>
+            </a:extLst>
+          </p:cNvPr>
+          <p:cNvPicPr>
+            <a:picLocks noChangeAspect="1" noChangeArrowheads="1"/>
+          </p:cNvPicPr>
+          <p:nvPr/>
+        </p:nvPicPr>
+        <p:blipFill>
+          <a:blip r:embed="rId4">
+            <a:extLst>
+              <a:ext uri="{28A0092B-C50C-407E-A947-70E740481C1C}">
+                <a14:useLocalDpi xmlns:a14="http://schemas.microsoft.com/office/drawing/2010/main" val="0"/>
+              </a:ext>
+            </a:extLst>
+          </a:blip>
+          <a:srcRect/>
+          <a:stretch>
+            <a:fillRect/>
+          </a:stretch>
+        </p:blipFill>
+        <p:spPr bwMode="auto">
+          <a:xfrm>
+            <a:off x="5297896" y="2310565"/>
+            <a:ext cx="6492659" cy="3181234"/>
+          </a:xfrm>
+          <a:prstGeom prst="rect">
+            <a:avLst/>
+          </a:prstGeom>
+          <a:noFill/>
+          <a:extLst>
+            <a:ext uri="{909E8E84-426E-40DD-AFC4-6F175D3DCCD1}">
+              <a14:hiddenFill xmlns:a14="http://schemas.microsoft.com/office/drawing/2010/main">
+                <a:solidFill>
+                  <a:srgbClr val="FFFFFF"/>
+                </a:solidFill>
+              </a14:hiddenFill>
+            </a:ext>
+          </a:extLst>
+        </p:spPr>
+      </p:pic>
+    </p:spTree>
+    <p:extLst>
+      <p:ext uri="{BB962C8B-B14F-4D97-AF65-F5344CB8AC3E}">
+        <p14:creationId xmlns:p14="http://schemas.microsoft.com/office/powerpoint/2010/main" val="1266679437"/>
+      </p:ext>
+    </p:extLst>
+  </p:cSld>
+  <p:clrMapOvr>
+    <a:masterClrMapping/>
+  </p:clrMapOvr>
+</p:sld>
+</file>
+
+<file path=ppt/slides/slide9.xml><?xml version="1.0" encoding="utf-8"?>
+<p:sld xmlns:a="http://schemas.openxmlformats.org/drawingml/2006/main" xmlns:r="http://schemas.openxmlformats.org/officeDocument/2006/relationships" xmlns:p="http://schemas.openxmlformats.org/presentationml/2006/main">
+  <p:cSld>
+    <p:spTree>
+      <p:nvGrpSpPr>
         <p:cNvPr id="1" name="Shape 167"/>
         <p:cNvGrpSpPr/>
         <p:nvPr/>
@@ -26423,338 +27144,6 @@
           <a:xfrm>
             <a:off x="5935006" y="2025940"/>
             <a:ext cx="5574686" cy="3686307"/>
-          </a:xfrm>
-          <a:prstGeom prst="rect">
-            <a:avLst/>
-          </a:prstGeom>
-          <a:noFill/>
-          <a:ln>
-            <a:noFill/>
-          </a:ln>
-        </p:spPr>
-      </p:pic>
-    </p:spTree>
-  </p:cSld>
-  <p:clrMapOvr>
-    <a:masterClrMapping/>
-  </p:clrMapOvr>
-</p:sld>
-</file>
-
-<file path=ppt/slides/slide9.xml><?xml version="1.0" encoding="utf-8"?>
-<p:sld xmlns:a="http://schemas.openxmlformats.org/drawingml/2006/main" xmlns:r="http://schemas.openxmlformats.org/officeDocument/2006/relationships" xmlns:p="http://schemas.openxmlformats.org/presentationml/2006/main">
-  <p:cSld>
-    <p:spTree>
-      <p:nvGrpSpPr>
-        <p:cNvPr id="1" name="Shape 176"/>
-        <p:cNvGrpSpPr/>
-        <p:nvPr/>
-      </p:nvGrpSpPr>
-      <p:grpSpPr>
-        <a:xfrm>
-          <a:off x="0" y="0"/>
-          <a:ext cx="0" cy="0"/>
-          <a:chOff x="0" y="0"/>
-          <a:chExt cx="0" cy="0"/>
-        </a:xfrm>
-      </p:grpSpPr>
-      <p:sp>
-        <p:nvSpPr>
-          <p:cNvPr id="177" name="Google Shape;177;p11"/>
-          <p:cNvSpPr txBox="1"/>
-          <p:nvPr/>
-        </p:nvSpPr>
-        <p:spPr>
-          <a:xfrm>
-            <a:off x="1325629" y="639657"/>
-            <a:ext cx="9540742" cy="923330"/>
-          </a:xfrm>
-          <a:prstGeom prst="rect">
-            <a:avLst/>
-          </a:prstGeom>
-          <a:noFill/>
-          <a:ln>
-            <a:noFill/>
-          </a:ln>
-        </p:spPr>
-        <p:txBody>
-          <a:bodyPr spcFirstLastPara="1" wrap="square" lIns="91425" tIns="45700" rIns="91425" bIns="45700" anchor="t" anchorCtr="0">
-            <a:spAutoFit/>
-          </a:bodyPr>
-          <a:lstStyle/>
-          <a:p>
-            <a:pPr marL="0" marR="0" lvl="0" indent="0" algn="ctr" rtl="0">
-              <a:lnSpc>
-                <a:spcPct val="100000"/>
-              </a:lnSpc>
-              <a:spcBef>
-                <a:spcPts val="0"/>
-              </a:spcBef>
-              <a:spcAft>
-                <a:spcPts val="0"/>
-              </a:spcAft>
-              <a:buClr>
-                <a:srgbClr val="000000"/>
-              </a:buClr>
-              <a:buSzPts val="5400"/>
-              <a:buFont typeface="Arial"/>
-              <a:buNone/>
-            </a:pPr>
-            <a:r>
-              <a:rPr lang="en-US" sz="5400" b="0" i="0" u="none" strike="noStrike" cap="none">
-                <a:solidFill>
-                  <a:schemeClr val="dk1"/>
-                </a:solidFill>
-                <a:latin typeface="Economica"/>
-                <a:ea typeface="Economica"/>
-                <a:cs typeface="Economica"/>
-                <a:sym typeface="Economica"/>
-              </a:rPr>
-              <a:t>Pre-Trained Embeddings: Limitation</a:t>
-            </a:r>
-            <a:endParaRPr sz="1400" b="0" i="0" u="none" strike="noStrike" cap="none">
-              <a:solidFill>
-                <a:srgbClr val="000000"/>
-              </a:solidFill>
-              <a:latin typeface="Arial"/>
-              <a:ea typeface="Arial"/>
-              <a:cs typeface="Arial"/>
-              <a:sym typeface="Arial"/>
-            </a:endParaRPr>
-          </a:p>
-        </p:txBody>
-      </p:sp>
-      <p:sp>
-        <p:nvSpPr>
-          <p:cNvPr id="178" name="Google Shape;178;p11"/>
-          <p:cNvSpPr txBox="1"/>
-          <p:nvPr/>
-        </p:nvSpPr>
-        <p:spPr>
-          <a:xfrm>
-            <a:off x="772620" y="1950155"/>
-            <a:ext cx="10093751" cy="3170099"/>
-          </a:xfrm>
-          <a:prstGeom prst="rect">
-            <a:avLst/>
-          </a:prstGeom>
-          <a:noFill/>
-          <a:ln>
-            <a:noFill/>
-          </a:ln>
-        </p:spPr>
-        <p:txBody>
-          <a:bodyPr spcFirstLastPara="1" wrap="square" lIns="91425" tIns="45700" rIns="91425" bIns="45700" anchor="t" anchorCtr="0">
-            <a:spAutoFit/>
-          </a:bodyPr>
-          <a:lstStyle/>
-          <a:p>
-            <a:pPr marL="0" marR="0" lvl="0" indent="0" algn="l" rtl="0">
-              <a:lnSpc>
-                <a:spcPct val="100000"/>
-              </a:lnSpc>
-              <a:spcBef>
-                <a:spcPts val="0"/>
-              </a:spcBef>
-              <a:spcAft>
-                <a:spcPts val="0"/>
-              </a:spcAft>
-              <a:buClr>
-                <a:srgbClr val="000000"/>
-              </a:buClr>
-              <a:buSzPts val="2000"/>
-              <a:buFont typeface="Arial"/>
-              <a:buNone/>
-            </a:pPr>
-            <a:r>
-              <a:rPr lang="en-US" sz="2000" b="1" i="0" u="none" strike="noStrike" cap="none">
-                <a:solidFill>
-                  <a:schemeClr val="dk1"/>
-                </a:solidFill>
-                <a:latin typeface="Quicksand"/>
-                <a:ea typeface="Quicksand"/>
-                <a:cs typeface="Quicksand"/>
-                <a:sym typeface="Quicksand"/>
-              </a:rPr>
-              <a:t>Out of Sample Words</a:t>
-            </a:r>
-            <a:endParaRPr sz="1400" b="0" i="0" u="none" strike="noStrike" cap="none">
-              <a:solidFill>
-                <a:srgbClr val="000000"/>
-              </a:solidFill>
-              <a:latin typeface="Arial"/>
-              <a:ea typeface="Arial"/>
-              <a:cs typeface="Arial"/>
-              <a:sym typeface="Arial"/>
-            </a:endParaRPr>
-          </a:p>
-          <a:p>
-            <a:pPr marL="342900" marR="0" lvl="0" indent="-342900" algn="l" rtl="0">
-              <a:lnSpc>
-                <a:spcPct val="100000"/>
-              </a:lnSpc>
-              <a:spcBef>
-                <a:spcPts val="0"/>
-              </a:spcBef>
-              <a:spcAft>
-                <a:spcPts val="0"/>
-              </a:spcAft>
-              <a:buClr>
-                <a:schemeClr val="dk1"/>
-              </a:buClr>
-              <a:buSzPts val="2000"/>
-              <a:buFont typeface="Arial"/>
-              <a:buChar char="•"/>
-            </a:pPr>
-            <a:r>
-              <a:rPr lang="en-US" sz="2000" b="0" i="0" u="none" strike="noStrike" cap="none">
-                <a:solidFill>
-                  <a:schemeClr val="dk1"/>
-                </a:solidFill>
-                <a:latin typeface="Quicksand"/>
-                <a:ea typeface="Quicksand"/>
-                <a:cs typeface="Quicksand"/>
-                <a:sym typeface="Quicksand"/>
-              </a:rPr>
-              <a:t>Both GloVe and Word2Vec are limited to words you’ve seen before in training. They cannot handle new words. Those words thus get omitted / dropped, or you need to do something different. </a:t>
-            </a:r>
-            <a:endParaRPr sz="1400" b="0" i="0" u="none" strike="noStrike" cap="none">
-              <a:solidFill>
-                <a:srgbClr val="000000"/>
-              </a:solidFill>
-              <a:latin typeface="Arial"/>
-              <a:ea typeface="Arial"/>
-              <a:cs typeface="Arial"/>
-              <a:sym typeface="Arial"/>
-            </a:endParaRPr>
-          </a:p>
-          <a:p>
-            <a:pPr marL="342900" marR="0" lvl="0" indent="-215900" algn="l" rtl="0">
-              <a:lnSpc>
-                <a:spcPct val="100000"/>
-              </a:lnSpc>
-              <a:spcBef>
-                <a:spcPts val="0"/>
-              </a:spcBef>
-              <a:spcAft>
-                <a:spcPts val="0"/>
-              </a:spcAft>
-              <a:buClr>
-                <a:schemeClr val="dk1"/>
-              </a:buClr>
-              <a:buSzPts val="2000"/>
-              <a:buFont typeface="Arial"/>
-              <a:buNone/>
-            </a:pPr>
-            <a:endParaRPr sz="2000" b="0" i="0" u="none" strike="noStrike" cap="none">
-              <a:solidFill>
-                <a:schemeClr val="dk1"/>
-              </a:solidFill>
-              <a:latin typeface="Quicksand"/>
-              <a:ea typeface="Quicksand"/>
-              <a:cs typeface="Quicksand"/>
-              <a:sym typeface="Quicksand"/>
-            </a:endParaRPr>
-          </a:p>
-          <a:p>
-            <a:pPr marL="0" marR="0" lvl="0" indent="0" algn="l" rtl="0">
-              <a:lnSpc>
-                <a:spcPct val="100000"/>
-              </a:lnSpc>
-              <a:spcBef>
-                <a:spcPts val="0"/>
-              </a:spcBef>
-              <a:spcAft>
-                <a:spcPts val="0"/>
-              </a:spcAft>
-              <a:buClr>
-                <a:srgbClr val="000000"/>
-              </a:buClr>
-              <a:buSzPts val="2000"/>
-              <a:buFont typeface="Arial"/>
-              <a:buNone/>
-            </a:pPr>
-            <a:r>
-              <a:rPr lang="en-US" sz="2000" b="1" i="0" u="none" strike="noStrike" cap="none">
-                <a:solidFill>
-                  <a:schemeClr val="dk1"/>
-                </a:solidFill>
-                <a:latin typeface="Quicksand"/>
-                <a:ea typeface="Quicksand"/>
-                <a:cs typeface="Quicksand"/>
-                <a:sym typeface="Quicksand"/>
-              </a:rPr>
-              <a:t>FastText</a:t>
-            </a:r>
-            <a:endParaRPr sz="2000" b="1" i="0" u="none" strike="noStrike" cap="none">
-              <a:solidFill>
-                <a:schemeClr val="dk1"/>
-              </a:solidFill>
-              <a:latin typeface="Quicksand"/>
-              <a:ea typeface="Quicksand"/>
-              <a:cs typeface="Quicksand"/>
-              <a:sym typeface="Quicksand"/>
-            </a:endParaRPr>
-          </a:p>
-          <a:p>
-            <a:pPr marL="342900" marR="0" lvl="0" indent="-342900" algn="l" rtl="0">
-              <a:lnSpc>
-                <a:spcPct val="100000"/>
-              </a:lnSpc>
-              <a:spcBef>
-                <a:spcPts val="0"/>
-              </a:spcBef>
-              <a:spcAft>
-                <a:spcPts val="0"/>
-              </a:spcAft>
-              <a:buClr>
-                <a:schemeClr val="dk1"/>
-              </a:buClr>
-              <a:buSzPts val="2000"/>
-              <a:buFont typeface="Arial"/>
-              <a:buChar char="•"/>
-            </a:pPr>
-            <a:r>
-              <a:rPr lang="en-US" sz="2000" b="0" i="0" u="none" strike="noStrike" cap="none">
-                <a:solidFill>
-                  <a:schemeClr val="dk1"/>
-                </a:solidFill>
-                <a:latin typeface="Quicksand"/>
-                <a:ea typeface="Quicksand"/>
-                <a:cs typeface="Quicksand"/>
-                <a:sym typeface="Quicksand"/>
-              </a:rPr>
-              <a:t>An extension to Word2Vec which learns character n-grams of words. So, instead of embedding words, we embed portions of words (e.g., a 3-gram character representation would break up the word ‘coffee’ into ‘cof’, ‘off’, ‘ffe’, … and then learn vector embeddings of each. </a:t>
-            </a:r>
-            <a:endParaRPr sz="1400" b="0" i="0" u="none" strike="noStrike" cap="none">
-              <a:solidFill>
-                <a:srgbClr val="000000"/>
-              </a:solidFill>
-              <a:latin typeface="Arial"/>
-              <a:ea typeface="Arial"/>
-              <a:cs typeface="Arial"/>
-              <a:sym typeface="Arial"/>
-            </a:endParaRPr>
-          </a:p>
-        </p:txBody>
-      </p:sp>
-      <p:pic>
-        <p:nvPicPr>
-          <p:cNvPr id="179" name="Google Shape;179;p11" descr="A Visual Guide to FastText Word Embeddings"/>
-          <p:cNvPicPr preferRelativeResize="0"/>
-          <p:nvPr/>
-        </p:nvPicPr>
-        <p:blipFill rotWithShape="1">
-          <a:blip r:embed="rId3">
-            <a:alphaModFix/>
-          </a:blip>
-          <a:srcRect/>
-          <a:stretch/>
-        </p:blipFill>
-        <p:spPr>
-          <a:xfrm>
-            <a:off x="4171602" y="5000195"/>
-            <a:ext cx="3848796" cy="1530602"/>
           </a:xfrm>
           <a:prstGeom prst="rect">
             <a:avLst/>
